--- a/ASS 2 Document/ppt oret oret aldo.pptx
+++ b/ASS 2 Document/ppt oret oret aldo.pptx
@@ -7,10 +7,14 @@
   <p:sldIdLst>
     <p:sldId id="256" r:id="rId2"/>
     <p:sldId id="257" r:id="rId3"/>
-    <p:sldId id="258" r:id="rId4"/>
-    <p:sldId id="260" r:id="rId5"/>
-    <p:sldId id="259" r:id="rId6"/>
-    <p:sldId id="261" r:id="rId7"/>
+    <p:sldId id="263" r:id="rId4"/>
+    <p:sldId id="262" r:id="rId5"/>
+    <p:sldId id="264" r:id="rId6"/>
+    <p:sldId id="265" r:id="rId7"/>
+    <p:sldId id="258" r:id="rId8"/>
+    <p:sldId id="260" r:id="rId9"/>
+    <p:sldId id="259" r:id="rId10"/>
+    <p:sldId id="261" r:id="rId11"/>
   </p:sldIdLst>
   <p:sldSz cx="12192000" cy="6858000"/>
   <p:notesSz cx="6858000" cy="9144000"/>
@@ -109,6 +113,11 @@
       </a:defRPr>
     </a:lvl9pPr>
   </p:defaultTextStyle>
+  <p:extLst>
+    <p:ext uri="{EFAFB233-063F-42B5-8137-9DF3F51BA10A}">
+      <p15:sldGuideLst xmlns:p15="http://schemas.microsoft.com/office/powerpoint/2012/main"/>
+    </p:ext>
+  </p:extLst>
 </p:presentation>
 </file>
 
@@ -4192,7 +4201,12 @@
             <p:ph type="ctrTitle"/>
           </p:nvPr>
         </p:nvSpPr>
-        <p:spPr/>
+        <p:spPr>
+          <a:xfrm>
+            <a:off x="1561708" y="2091263"/>
+            <a:ext cx="9068586" cy="1785793"/>
+          </a:xfrm>
+        </p:spPr>
         <p:txBody>
           <a:bodyPr/>
           <a:lstStyle/>
@@ -4209,8 +4223,8 @@
               <a:t>software </a:t>
             </a:r>
             <a:r>
-              <a:rPr lang="en-US" sz="4800" dirty="0" err="1" smtClean="0"/>
-              <a:t>enggineering</a:t>
+              <a:rPr lang="en-US" sz="4800" dirty="0" smtClean="0"/>
+              <a:t>engineering</a:t>
             </a:r>
             <a:endParaRPr lang="en-US" sz="4800" dirty="0"/>
           </a:p>
@@ -4228,8 +4242,8 @@
         </p:nvSpPr>
         <p:spPr>
           <a:xfrm>
-            <a:off x="1561708" y="4298014"/>
-            <a:ext cx="9070848" cy="1014650"/>
+            <a:off x="1561708" y="4032504"/>
+            <a:ext cx="9070848" cy="1280160"/>
           </a:xfrm>
         </p:spPr>
         <p:txBody>
@@ -4239,46 +4253,84 @@
           <a:lstStyle/>
           <a:p>
             <a:r>
-              <a:rPr lang="en-US" dirty="0" smtClean="0"/>
-              <a:t>Group Name:</a:t>
-            </a:r>
-          </a:p>
-          <a:p>
-            <a:r>
-              <a:rPr lang="en-US" dirty="0" err="1" smtClean="0"/>
+              <a:rPr lang="en-US" sz="2800" dirty="0" err="1" smtClean="0">
+                <a:solidFill>
+                  <a:schemeClr val="bg1"/>
+                </a:solidFill>
+              </a:rPr>
               <a:t>Luh</a:t>
             </a:r>
             <a:r>
-              <a:rPr lang="en-US" dirty="0" smtClean="0"/>
-              <a:t> Wulandari Maharani (E1700873)</a:t>
-            </a:r>
-          </a:p>
-          <a:p>
-            <a:r>
-              <a:rPr lang="en-US" dirty="0" err="1" smtClean="0"/>
+              <a:rPr lang="en-US" sz="2800" dirty="0" smtClean="0">
+                <a:solidFill>
+                  <a:schemeClr val="bg1"/>
+                </a:solidFill>
+              </a:rPr>
+              <a:t> </a:t>
+            </a:r>
+            <a:r>
+              <a:rPr lang="en-US" sz="2800" dirty="0" smtClean="0">
+                <a:solidFill>
+                  <a:schemeClr val="bg1"/>
+                </a:solidFill>
+              </a:rPr>
+              <a:t>Wulandari Maharani (E1700873)</a:t>
+            </a:r>
+          </a:p>
+          <a:p>
+            <a:r>
+              <a:rPr lang="en-US" sz="2800" dirty="0" err="1" smtClean="0">
+                <a:solidFill>
+                  <a:schemeClr val="bg1"/>
+                </a:solidFill>
+              </a:rPr>
               <a:t>Rivaldo</a:t>
             </a:r>
             <a:r>
-              <a:rPr lang="en-US" dirty="0" smtClean="0"/>
+              <a:rPr lang="en-US" sz="2800" dirty="0" smtClean="0">
+                <a:solidFill>
+                  <a:schemeClr val="bg1"/>
+                </a:solidFill>
+              </a:rPr>
               <a:t> </a:t>
             </a:r>
             <a:r>
-              <a:rPr lang="en-US" dirty="0" err="1" smtClean="0"/>
+              <a:rPr lang="en-US" sz="2800" dirty="0" err="1" smtClean="0">
+                <a:solidFill>
+                  <a:schemeClr val="bg1"/>
+                </a:solidFill>
+              </a:rPr>
               <a:t>Bagus</a:t>
             </a:r>
             <a:r>
-              <a:rPr lang="en-US" dirty="0" smtClean="0"/>
+              <a:rPr lang="en-US" sz="2800" dirty="0" smtClean="0">
+                <a:solidFill>
+                  <a:schemeClr val="bg1"/>
+                </a:solidFill>
+              </a:rPr>
               <a:t> </a:t>
             </a:r>
             <a:r>
-              <a:rPr lang="en-US" dirty="0" err="1" smtClean="0"/>
+              <a:rPr lang="en-US" sz="2800" dirty="0" err="1" smtClean="0">
+                <a:solidFill>
+                  <a:schemeClr val="bg1"/>
+                </a:solidFill>
+              </a:rPr>
               <a:t>Soepardhy</a:t>
             </a:r>
             <a:r>
-              <a:rPr lang="en-US" dirty="0" smtClean="0"/>
+              <a:rPr lang="en-US" sz="2800" dirty="0" smtClean="0">
+                <a:solidFill>
+                  <a:schemeClr val="bg1"/>
+                </a:solidFill>
+              </a:rPr>
               <a:t> (E1700882)</a:t>
             </a:r>
-            <a:endParaRPr lang="en-US" dirty="0"/>
+            <a:endParaRPr lang="en-US" sz="2800" dirty="0">
+              <a:solidFill>
+                <a:schemeClr val="bg1"/>
+              </a:solidFill>
+            </a:endParaRPr>
           </a:p>
         </p:txBody>
       </p:sp>
@@ -4286,6 +4338,90 @@
     <p:extLst>
       <p:ext uri="{BB962C8B-B14F-4D97-AF65-F5344CB8AC3E}">
         <p14:creationId xmlns:p14="http://schemas.microsoft.com/office/powerpoint/2010/main" val="279457528"/>
+      </p:ext>
+    </p:extLst>
+  </p:cSld>
+  <p:clrMapOvr>
+    <a:masterClrMapping/>
+  </p:clrMapOvr>
+</p:sld>
+</file>
+
+<file path=ppt/slides/slide10.xml><?xml version="1.0" encoding="utf-8"?>
+<p:sld xmlns:a="http://schemas.openxmlformats.org/drawingml/2006/main" xmlns:r="http://schemas.openxmlformats.org/officeDocument/2006/relationships" xmlns:p="http://schemas.openxmlformats.org/presentationml/2006/main">
+  <p:cSld>
+    <p:spTree>
+      <p:nvGrpSpPr>
+        <p:cNvPr id="1" name=""/>
+        <p:cNvGrpSpPr/>
+        <p:nvPr/>
+      </p:nvGrpSpPr>
+      <p:grpSpPr>
+        <a:xfrm>
+          <a:off x="0" y="0"/>
+          <a:ext cx="0" cy="0"/>
+          <a:chOff x="0" y="0"/>
+          <a:chExt cx="0" cy="0"/>
+        </a:xfrm>
+      </p:grpSpPr>
+      <p:sp>
+        <p:nvSpPr>
+          <p:cNvPr id="4" name="Title 1"/>
+          <p:cNvSpPr>
+            <a:spLocks noGrp="1"/>
+          </p:cNvSpPr>
+          <p:nvPr>
+            <p:ph type="title"/>
+          </p:nvPr>
+        </p:nvSpPr>
+        <p:spPr>
+          <a:xfrm>
+            <a:off x="3525520" y="561391"/>
+            <a:ext cx="5214112" cy="674065"/>
+          </a:xfrm>
+        </p:spPr>
+        <p:txBody>
+          <a:bodyPr>
+            <a:normAutofit/>
+          </a:bodyPr>
+          <a:lstStyle/>
+          <a:p>
+            <a:pPr algn="ctr"/>
+            <a:r>
+              <a:rPr lang="en-US" sz="4000" dirty="0" smtClean="0"/>
+              <a:t>Trello</a:t>
+            </a:r>
+            <a:endParaRPr lang="en-US" sz="4000" dirty="0"/>
+          </a:p>
+        </p:txBody>
+      </p:sp>
+      <p:pic>
+        <p:nvPicPr>
+          <p:cNvPr id="5" name="Picture 4"/>
+          <p:cNvPicPr>
+            <a:picLocks noChangeAspect="1"/>
+          </p:cNvPicPr>
+          <p:nvPr/>
+        </p:nvPicPr>
+        <p:blipFill rotWithShape="1">
+          <a:blip r:embed="rId2"/>
+          <a:srcRect t="7778" b="4929"/>
+          <a:stretch/>
+        </p:blipFill>
+        <p:spPr>
+          <a:xfrm>
+            <a:off x="398584" y="1235456"/>
+            <a:ext cx="11394831" cy="5259129"/>
+          </a:xfrm>
+          <a:prstGeom prst="rect">
+            <a:avLst/>
+          </a:prstGeom>
+        </p:spPr>
+      </p:pic>
+    </p:spTree>
+    <p:extLst>
+      <p:ext uri="{BB962C8B-B14F-4D97-AF65-F5344CB8AC3E}">
+        <p14:creationId xmlns:p14="http://schemas.microsoft.com/office/powerpoint/2010/main" val="234617623"/>
       </p:ext>
     </p:extLst>
   </p:cSld>
@@ -4322,7 +4458,12 @@
             <p:ph type="title"/>
           </p:nvPr>
         </p:nvSpPr>
-        <p:spPr/>
+        <p:spPr>
+          <a:xfrm>
+            <a:off x="1066800" y="578586"/>
+            <a:ext cx="10058400" cy="1371600"/>
+          </a:xfrm>
+        </p:spPr>
         <p:txBody>
           <a:bodyPr/>
           <a:lstStyle/>
@@ -4347,25 +4488,25 @@
         </p:nvSpPr>
         <p:spPr>
           <a:xfrm>
-            <a:off x="1463040" y="2569464"/>
-            <a:ext cx="8979408" cy="3465576"/>
+            <a:off x="1463040" y="1929384"/>
+            <a:ext cx="8979408" cy="4105656"/>
           </a:xfrm>
         </p:spPr>
         <p:txBody>
           <a:bodyPr>
-            <a:normAutofit/>
+            <a:noAutofit/>
           </a:bodyPr>
           <a:lstStyle/>
           <a:p>
-            <a:pPr marL="0" indent="0">
+            <a:pPr marL="0" indent="0" algn="just">
               <a:buNone/>
             </a:pPr>
             <a:r>
-              <a:rPr lang="en-US" sz="2400" dirty="0" smtClean="0"/>
+              <a:rPr lang="en-US" sz="3200" dirty="0" smtClean="0"/>
               <a:t>Every </a:t>
             </a:r>
             <a:r>
-              <a:rPr lang="en-US" sz="2400" dirty="0"/>
+              <a:rPr lang="en-US" sz="3200" dirty="0"/>
               <a:t>software development must have a clear and understandable requirement or specification to ensure developers can keep developing software within the boundary of requirement, while also, developer can adjust to what users need with the software, and developers can optimize the software according to users’ need.</a:t>
             </a:r>
           </a:p>
@@ -4418,10 +4559,33 @@
             <p:ph type="title"/>
           </p:nvPr>
         </p:nvSpPr>
-        <p:spPr>
-          <a:xfrm>
-            <a:off x="4123944" y="551231"/>
-            <a:ext cx="3538728" cy="674065"/>
+        <p:spPr/>
+        <p:txBody>
+          <a:bodyPr/>
+          <a:lstStyle/>
+          <a:p>
+            <a:r>
+              <a:rPr lang="en-US" dirty="0" smtClean="0"/>
+              <a:t>Project Aims</a:t>
+            </a:r>
+            <a:endParaRPr lang="en-US" dirty="0"/>
+          </a:p>
+        </p:txBody>
+      </p:sp>
+      <p:sp>
+        <p:nvSpPr>
+          <p:cNvPr id="3" name="Content Placeholder 2"/>
+          <p:cNvSpPr>
+            <a:spLocks noGrp="1"/>
+          </p:cNvSpPr>
+          <p:nvPr>
+            <p:ph idx="1"/>
+          </p:nvPr>
+        </p:nvSpPr>
+        <p:spPr>
+          <a:xfrm>
+            <a:off x="1066800" y="2487168"/>
+            <a:ext cx="10058400" cy="2843784"/>
           </a:xfrm>
         </p:spPr>
         <p:txBody>
@@ -4430,54 +4594,38 @@
           </a:bodyPr>
           <a:lstStyle/>
           <a:p>
-            <a:r>
-              <a:rPr lang="en-US" sz="4000" dirty="0" smtClean="0"/>
-              <a:t>Gantt Chart</a:t>
-            </a:r>
-            <a:endParaRPr lang="en-US" sz="4000" dirty="0"/>
-          </a:p>
-        </p:txBody>
-      </p:sp>
-      <p:pic>
-        <p:nvPicPr>
-          <p:cNvPr id="7" name="Picture 6"/>
-          <p:cNvPicPr>
-            <a:picLocks noChangeAspect="1"/>
-          </p:cNvPicPr>
-          <p:nvPr/>
-        </p:nvPicPr>
-        <p:blipFill rotWithShape="1">
-          <a:blip r:embed="rId2"/>
-          <a:srcRect b="5555"/>
-          <a:stretch/>
-        </p:blipFill>
-        <p:spPr>
-          <a:xfrm>
-            <a:off x="381000" y="1225296"/>
-            <a:ext cx="11475720" cy="5236464"/>
-          </a:xfrm>
-          <a:prstGeom prst="rect">
-            <a:avLst/>
-          </a:prstGeom>
-        </p:spPr>
-      </p:pic>
+            <a:pPr lvl="0"/>
+            <a:r>
+              <a:rPr lang="en-US" sz="2400" dirty="0"/>
+              <a:t>To change the traditional way of transaction &amp; interaction between government and people about micro housing.</a:t>
+            </a:r>
+          </a:p>
+          <a:p>
+            <a:pPr lvl="0"/>
+            <a:r>
+              <a:rPr lang="en-US" sz="2400" dirty="0"/>
+              <a:t>To provide easier way for government to manage house rent for youths with low wages.</a:t>
+            </a:r>
+          </a:p>
+          <a:p>
+            <a:pPr lvl="0"/>
+            <a:r>
+              <a:rPr lang="en-US" sz="2400" dirty="0"/>
+              <a:t>To provide efficient and convenient way of youths in search of boarding house with affordable price.  </a:t>
+            </a:r>
+          </a:p>
+        </p:txBody>
+      </p:sp>
     </p:spTree>
     <p:extLst>
       <p:ext uri="{BB962C8B-B14F-4D97-AF65-F5344CB8AC3E}">
-        <p14:creationId xmlns:p14="http://schemas.microsoft.com/office/powerpoint/2010/main" val="1781440091"/>
+        <p14:creationId xmlns:p14="http://schemas.microsoft.com/office/powerpoint/2010/main" val="2157495332"/>
       </p:ext>
     </p:extLst>
   </p:cSld>
   <p:clrMapOvr>
     <a:masterClrMapping/>
   </p:clrMapOvr>
-  <p:timing>
-    <p:tnLst>
-      <p:par>
-        <p:cTn id="1" dur="indefinite" restart="never" nodeType="tmRoot"/>
-      </p:par>
-    </p:tnLst>
-  </p:timing>
 </p:sld>
 </file>
 
@@ -4498,71 +4646,200 @@
           <a:chExt cx="0" cy="0"/>
         </a:xfrm>
       </p:grpSpPr>
-      <p:pic>
-        <p:nvPicPr>
-          <p:cNvPr id="4" name="Content Placeholder 3"/>
-          <p:cNvPicPr>
-            <a:picLocks noGrp="1" noChangeAspect="1"/>
-          </p:cNvPicPr>
+      <p:sp>
+        <p:nvSpPr>
+          <p:cNvPr id="2" name="Title 1"/>
+          <p:cNvSpPr>
+            <a:spLocks noGrp="1"/>
+          </p:cNvSpPr>
+          <p:nvPr>
+            <p:ph type="title"/>
+          </p:nvPr>
+        </p:nvSpPr>
+        <p:spPr>
+          <a:xfrm>
+            <a:off x="813816" y="578586"/>
+            <a:ext cx="10789920" cy="1371600"/>
+          </a:xfrm>
+        </p:spPr>
+        <p:txBody>
+          <a:bodyPr/>
+          <a:lstStyle/>
+          <a:p>
+            <a:r>
+              <a:rPr lang="en-US" dirty="0" smtClean="0"/>
+              <a:t>FUNCTIONAL REQUIREMENT</a:t>
+            </a:r>
+            <a:endParaRPr lang="en-US" dirty="0"/>
+          </a:p>
+        </p:txBody>
+      </p:sp>
+      <p:sp>
+        <p:nvSpPr>
+          <p:cNvPr id="3" name="Content Placeholder 2"/>
+          <p:cNvSpPr>
+            <a:spLocks noGrp="1"/>
+          </p:cNvSpPr>
           <p:nvPr>
             <p:ph idx="1"/>
           </p:nvPr>
-        </p:nvPicPr>
-        <p:blipFill rotWithShape="1">
-          <a:blip r:embed="rId2"/>
-          <a:srcRect b="5700"/>
-          <a:stretch/>
-        </p:blipFill>
-        <p:spPr>
-          <a:xfrm>
-            <a:off x="365760" y="1225296"/>
-            <a:ext cx="11470640" cy="5216145"/>
-          </a:xfrm>
-          <a:prstGeom prst="rect">
-            <a:avLst/>
-          </a:prstGeom>
-        </p:spPr>
-      </p:pic>
-      <p:sp>
-        <p:nvSpPr>
-          <p:cNvPr id="5" name="Title 1"/>
-          <p:cNvSpPr>
-            <a:spLocks noGrp="1"/>
-          </p:cNvSpPr>
-          <p:nvPr>
-            <p:ph type="title"/>
-          </p:nvPr>
-        </p:nvSpPr>
-        <p:spPr>
-          <a:xfrm>
-            <a:off x="4123944" y="551231"/>
-            <a:ext cx="3538728" cy="674065"/>
+        </p:nvSpPr>
+        <p:spPr>
+          <a:xfrm>
+            <a:off x="813816" y="1929384"/>
+            <a:ext cx="10789920" cy="4105656"/>
           </a:xfrm>
         </p:spPr>
         <p:txBody>
           <a:bodyPr>
-            <a:normAutofit/>
+            <a:noAutofit/>
           </a:bodyPr>
           <a:lstStyle/>
           <a:p>
-            <a:r>
-              <a:rPr lang="en-US" sz="4000" dirty="0" smtClean="0"/>
-              <a:t>Gantt Chart</a:t>
-            </a:r>
-            <a:endParaRPr lang="en-US" sz="4000" dirty="0"/>
+            <a:pPr marL="0" indent="0">
+              <a:buNone/>
+            </a:pPr>
+            <a:r>
+              <a:rPr lang="en-US" b="1" dirty="0" err="1"/>
+              <a:t>HousingOfficer</a:t>
+            </a:r>
+            <a:r>
+              <a:rPr lang="en-US" b="1" dirty="0"/>
+              <a:t> </a:t>
+            </a:r>
+            <a:r>
+              <a:rPr lang="en-US" b="1" dirty="0" smtClean="0"/>
+              <a:t>requirement</a:t>
+            </a:r>
+            <a:endParaRPr lang="en-US" dirty="0" smtClean="0"/>
+          </a:p>
+          <a:p>
+            <a:pPr lvl="0"/>
+            <a:r>
+              <a:rPr lang="en-US" dirty="0" err="1" smtClean="0"/>
+              <a:t>HousingOfficer</a:t>
+            </a:r>
+            <a:r>
+              <a:rPr lang="en-US" dirty="0" smtClean="0"/>
+              <a:t> has login menu that can be filled with user ID and password to go directly to </a:t>
+            </a:r>
+            <a:r>
+              <a:rPr lang="en-US" dirty="0" err="1" smtClean="0"/>
+              <a:t>HousingOfficer</a:t>
+            </a:r>
+            <a:r>
+              <a:rPr lang="en-US" dirty="0" smtClean="0"/>
+              <a:t> homepage.</a:t>
+            </a:r>
+          </a:p>
+          <a:p>
+            <a:pPr lvl="0"/>
+            <a:r>
+              <a:rPr lang="en-US" dirty="0" err="1" smtClean="0"/>
+              <a:t>HousingOfficer</a:t>
+            </a:r>
+            <a:r>
+              <a:rPr lang="en-US" dirty="0" smtClean="0"/>
+              <a:t> </a:t>
+            </a:r>
+            <a:r>
+              <a:rPr lang="en-US" dirty="0"/>
+              <a:t>can change the password if </a:t>
+            </a:r>
+            <a:r>
+              <a:rPr lang="en-US" dirty="0" err="1"/>
+              <a:t>HousingOfficer</a:t>
+            </a:r>
+            <a:r>
+              <a:rPr lang="en-US" dirty="0"/>
+              <a:t> forget their password.</a:t>
+            </a:r>
+          </a:p>
+          <a:p>
+            <a:pPr lvl="0"/>
+            <a:r>
+              <a:rPr lang="en-US" dirty="0" err="1"/>
+              <a:t>HousingOfficer</a:t>
+            </a:r>
+            <a:r>
+              <a:rPr lang="en-US" dirty="0"/>
+              <a:t> must have “edit menu” which is can edit residence detail.</a:t>
+            </a:r>
+          </a:p>
+          <a:p>
+            <a:pPr lvl="0"/>
+            <a:r>
+              <a:rPr lang="en-US" dirty="0" err="1"/>
+              <a:t>HousingOfficer</a:t>
+            </a:r>
+            <a:r>
+              <a:rPr lang="en-US" dirty="0"/>
+              <a:t> must have “add menu” which is can set up new residence.</a:t>
+            </a:r>
+          </a:p>
+          <a:p>
+            <a:pPr lvl="0"/>
+            <a:r>
+              <a:rPr lang="en-US" dirty="0" err="1"/>
+              <a:t>HousingOfficer</a:t>
+            </a:r>
+            <a:r>
+              <a:rPr lang="en-US" dirty="0"/>
+              <a:t> must have “delete menu” which is can delete applicant and residence detail.</a:t>
+            </a:r>
+          </a:p>
+          <a:p>
+            <a:pPr lvl="0"/>
+            <a:r>
+              <a:rPr lang="en-US" dirty="0" err="1"/>
+              <a:t>HousingOfficer</a:t>
+            </a:r>
+            <a:r>
+              <a:rPr lang="en-US" dirty="0"/>
+              <a:t> must have “view menu” which is can view applications and residence details.</a:t>
+            </a:r>
+          </a:p>
+          <a:p>
+            <a:pPr lvl="0"/>
+            <a:r>
+              <a:rPr lang="en-US" dirty="0"/>
+              <a:t>Payment menu to display payment details for applicant, which is designed by </a:t>
+            </a:r>
+            <a:r>
+              <a:rPr lang="en-US" dirty="0" err="1"/>
+              <a:t>HousingOfficer</a:t>
+            </a:r>
+            <a:r>
+              <a:rPr lang="en-US" dirty="0"/>
+              <a:t>.</a:t>
+            </a:r>
+          </a:p>
+          <a:p>
+            <a:pPr lvl="0"/>
+            <a:r>
+              <a:rPr lang="en-US" dirty="0"/>
+              <a:t>Logout Menu to exit from the application.</a:t>
+            </a:r>
           </a:p>
         </p:txBody>
       </p:sp>
     </p:spTree>
     <p:extLst>
       <p:ext uri="{BB962C8B-B14F-4D97-AF65-F5344CB8AC3E}">
-        <p14:creationId xmlns:p14="http://schemas.microsoft.com/office/powerpoint/2010/main" val="2187548316"/>
+        <p14:creationId xmlns:p14="http://schemas.microsoft.com/office/powerpoint/2010/main" val="472051822"/>
       </p:ext>
     </p:extLst>
   </p:cSld>
   <p:clrMapOvr>
     <a:masterClrMapping/>
   </p:clrMapOvr>
+  <p:timing>
+    <p:tnLst>
+      <p:par>
+        <p:cTn id="1" dur="indefinite" restart="never" nodeType="tmRoot"/>
+      </p:par>
+    </p:tnLst>
+  </p:timing>
 </p:sld>
 </file>
 
@@ -4585,7 +4862,7 @@
       </p:grpSpPr>
       <p:sp>
         <p:nvSpPr>
-          <p:cNvPr id="4" name="Title 1"/>
+          <p:cNvPr id="2" name="Title 1"/>
           <p:cNvSpPr>
             <a:spLocks noGrp="1"/>
           </p:cNvSpPr>
@@ -4595,51 +4872,98 @@
         </p:nvSpPr>
         <p:spPr>
           <a:xfrm>
-            <a:off x="3525520" y="561391"/>
-            <a:ext cx="5214112" cy="674065"/>
+            <a:off x="813816" y="578586"/>
+            <a:ext cx="10789920" cy="1371600"/>
+          </a:xfrm>
+        </p:spPr>
+        <p:txBody>
+          <a:bodyPr/>
+          <a:lstStyle/>
+          <a:p>
+            <a:r>
+              <a:rPr lang="en-US" dirty="0" smtClean="0"/>
+              <a:t>FUNCTIONAL REQUIREMENT</a:t>
+            </a:r>
+            <a:endParaRPr lang="en-US" dirty="0"/>
+          </a:p>
+        </p:txBody>
+      </p:sp>
+      <p:sp>
+        <p:nvSpPr>
+          <p:cNvPr id="3" name="Content Placeholder 2"/>
+          <p:cNvSpPr>
+            <a:spLocks noGrp="1"/>
+          </p:cNvSpPr>
+          <p:nvPr>
+            <p:ph idx="1"/>
+          </p:nvPr>
+        </p:nvSpPr>
+        <p:spPr>
+          <a:xfrm>
+            <a:off x="813816" y="1929384"/>
+            <a:ext cx="10789920" cy="4105656"/>
           </a:xfrm>
         </p:spPr>
         <p:txBody>
           <a:bodyPr>
-            <a:normAutofit fontScale="90000"/>
+            <a:noAutofit/>
           </a:bodyPr>
           <a:lstStyle/>
           <a:p>
-            <a:r>
-              <a:rPr lang="en-US" sz="4000" dirty="0" smtClean="0"/>
-              <a:t>Baseline Gantt Chart</a:t>
-            </a:r>
-            <a:endParaRPr lang="en-US" sz="4000" dirty="0"/>
-          </a:p>
-        </p:txBody>
-      </p:sp>
-      <p:pic>
-        <p:nvPicPr>
-          <p:cNvPr id="6" name="Picture 5"/>
-          <p:cNvPicPr>
-            <a:picLocks noChangeAspect="1"/>
-          </p:cNvPicPr>
-          <p:nvPr/>
-        </p:nvPicPr>
-        <p:blipFill rotWithShape="1">
-          <a:blip r:embed="rId2"/>
-          <a:srcRect l="83" t="4148" r="-83" b="5111"/>
-          <a:stretch/>
-        </p:blipFill>
-        <p:spPr>
-          <a:xfrm>
-            <a:off x="342392" y="1235456"/>
-            <a:ext cx="11529568" cy="5211063"/>
-          </a:xfrm>
-          <a:prstGeom prst="rect">
-            <a:avLst/>
-          </a:prstGeom>
-        </p:spPr>
-      </p:pic>
+            <a:pPr marL="0" indent="0">
+              <a:buNone/>
+            </a:pPr>
+            <a:r>
+              <a:rPr lang="en-US" sz="2000" b="1" dirty="0"/>
+              <a:t>Applicant </a:t>
+            </a:r>
+            <a:r>
+              <a:rPr lang="en-US" sz="2000" b="1" dirty="0" smtClean="0"/>
+              <a:t>Requirement</a:t>
+            </a:r>
+            <a:endParaRPr lang="en-US" sz="2000" dirty="0"/>
+          </a:p>
+          <a:p>
+            <a:pPr lvl="0"/>
+            <a:r>
+              <a:rPr lang="en-US" sz="2000" dirty="0"/>
+              <a:t>Applicant will register where the form has been given.</a:t>
+            </a:r>
+          </a:p>
+          <a:p>
+            <a:pPr lvl="0"/>
+            <a:r>
+              <a:rPr lang="en-US" sz="2000" dirty="0"/>
+              <a:t>Applicant has login menu that can be filled with user ID and password so that the applicant can access the system without confusion, and will be directed to the home page.</a:t>
+            </a:r>
+          </a:p>
+          <a:p>
+            <a:pPr lvl="0"/>
+            <a:r>
+              <a:rPr lang="en-US" sz="2000" dirty="0"/>
+              <a:t>Applicant can change the password if applicant forget their password.</a:t>
+            </a:r>
+          </a:p>
+          <a:p>
+            <a:pPr lvl="0"/>
+            <a:r>
+              <a:rPr lang="en-US" sz="2000" dirty="0"/>
+              <a:t>The system has a menu with buttons or icons that applicants can choose from view application, view residences, wish list, submit applications and payment.</a:t>
+            </a:r>
+          </a:p>
+          <a:p>
+            <a:pPr lvl="0"/>
+            <a:r>
+              <a:rPr lang="en-US" sz="2000" dirty="0"/>
+              <a:t>Logout Menu to exit from the application.</a:t>
+            </a:r>
+          </a:p>
+        </p:txBody>
+      </p:sp>
     </p:spTree>
     <p:extLst>
       <p:ext uri="{BB962C8B-B14F-4D97-AF65-F5344CB8AC3E}">
-        <p14:creationId xmlns:p14="http://schemas.microsoft.com/office/powerpoint/2010/main" val="3644720896"/>
+        <p14:creationId xmlns:p14="http://schemas.microsoft.com/office/powerpoint/2010/main" val="1601257695"/>
       </p:ext>
     </p:extLst>
   </p:cSld>
@@ -4675,7 +4999,7 @@
       </p:grpSpPr>
       <p:sp>
         <p:nvSpPr>
-          <p:cNvPr id="4" name="Title 1"/>
+          <p:cNvPr id="2" name="Title 1"/>
           <p:cNvSpPr>
             <a:spLocks noGrp="1"/>
           </p:cNvSpPr>
@@ -4685,8 +5009,382 @@
         </p:nvSpPr>
         <p:spPr>
           <a:xfrm>
-            <a:off x="3525520" y="561391"/>
-            <a:ext cx="5214112" cy="674065"/>
+            <a:off x="813816" y="578586"/>
+            <a:ext cx="10789920" cy="1371600"/>
+          </a:xfrm>
+        </p:spPr>
+        <p:txBody>
+          <a:bodyPr/>
+          <a:lstStyle/>
+          <a:p>
+            <a:r>
+              <a:rPr lang="en-US" dirty="0" smtClean="0"/>
+              <a:t>NON-FUNCTIONAL REQUIREMENT</a:t>
+            </a:r>
+            <a:endParaRPr lang="en-US" dirty="0"/>
+          </a:p>
+        </p:txBody>
+      </p:sp>
+      <p:graphicFrame>
+        <p:nvGraphicFramePr>
+          <p:cNvPr id="4" name="Table 3"/>
+          <p:cNvGraphicFramePr>
+            <a:graphicFrameLocks noGrp="1"/>
+          </p:cNvGraphicFramePr>
+          <p:nvPr>
+            <p:extLst>
+              <p:ext uri="{D42A27DB-BD31-4B8C-83A1-F6EECF244321}">
+                <p14:modId xmlns:p14="http://schemas.microsoft.com/office/powerpoint/2010/main" val="2498537630"/>
+              </p:ext>
+            </p:extLst>
+          </p:nvPr>
+        </p:nvGraphicFramePr>
+        <p:xfrm>
+          <a:off x="1971040" y="1950186"/>
+          <a:ext cx="8128000" cy="4028440"/>
+        </p:xfrm>
+        <a:graphic>
+          <a:graphicData uri="http://schemas.openxmlformats.org/drawingml/2006/table">
+            <a:tbl>
+              <a:tblPr firstRow="1" bandRow="1">
+                <a:tableStyleId>{5C22544A-7EE6-4342-B048-85BDC9FD1C3A}</a:tableStyleId>
+              </a:tblPr>
+              <a:tblGrid>
+                <a:gridCol w="2247392">
+                  <a:extLst>
+                    <a:ext uri="{9D8B030D-6E8A-4147-A177-3AD203B41FA5}">
+                      <a16:colId xmlns:a16="http://schemas.microsoft.com/office/drawing/2014/main" val="1867946181"/>
+                    </a:ext>
+                  </a:extLst>
+                </a:gridCol>
+                <a:gridCol w="5880608">
+                  <a:extLst>
+                    <a:ext uri="{9D8B030D-6E8A-4147-A177-3AD203B41FA5}">
+                      <a16:colId xmlns:a16="http://schemas.microsoft.com/office/drawing/2014/main" val="1094547991"/>
+                    </a:ext>
+                  </a:extLst>
+                </a:gridCol>
+              </a:tblGrid>
+              <a:tr h="370840">
+                <a:tc>
+                  <a:txBody>
+                    <a:bodyPr/>
+                    <a:lstStyle/>
+                    <a:p>
+                      <a:pPr algn="ctr"/>
+                      <a:r>
+                        <a:rPr lang="en-US" dirty="0" smtClean="0"/>
+                        <a:t>Requirement</a:t>
+                      </a:r>
+                      <a:endParaRPr lang="en-US" dirty="0"/>
+                    </a:p>
+                  </a:txBody>
+                  <a:tcPr/>
+                </a:tc>
+                <a:tc>
+                  <a:txBody>
+                    <a:bodyPr/>
+                    <a:lstStyle/>
+                    <a:p>
+                      <a:pPr algn="ctr"/>
+                      <a:r>
+                        <a:rPr lang="en-US" dirty="0" smtClean="0"/>
+                        <a:t>Description</a:t>
+                      </a:r>
+                      <a:endParaRPr lang="en-US" dirty="0"/>
+                    </a:p>
+                  </a:txBody>
+                  <a:tcPr/>
+                </a:tc>
+                <a:extLst>
+                  <a:ext uri="{0D108BD9-81ED-4DB2-BD59-A6C34878D82A}">
+                    <a16:rowId xmlns:a16="http://schemas.microsoft.com/office/drawing/2014/main" val="3527738759"/>
+                  </a:ext>
+                </a:extLst>
+              </a:tr>
+              <a:tr h="370840">
+                <a:tc>
+                  <a:txBody>
+                    <a:bodyPr/>
+                    <a:lstStyle/>
+                    <a:p>
+                      <a:pPr algn="ctr"/>
+                      <a:r>
+                        <a:rPr lang="en-US" b="1" dirty="0" smtClean="0"/>
+                        <a:t>Security requirement</a:t>
+                      </a:r>
+                      <a:endParaRPr lang="en-US" dirty="0"/>
+                    </a:p>
+                  </a:txBody>
+                  <a:tcPr/>
+                </a:tc>
+                <a:tc>
+                  <a:txBody>
+                    <a:bodyPr/>
+                    <a:lstStyle/>
+                    <a:p>
+                      <a:pPr marL="0" marR="0" lvl="0" indent="0" algn="l" defTabSz="914400" rtl="0" eaLnBrk="1" fontAlgn="auto" latinLnBrk="0" hangingPunct="1">
+                        <a:lnSpc>
+                          <a:spcPct val="100000"/>
+                        </a:lnSpc>
+                        <a:spcBef>
+                          <a:spcPts val="0"/>
+                        </a:spcBef>
+                        <a:spcAft>
+                          <a:spcPts val="0"/>
+                        </a:spcAft>
+                        <a:buClrTx/>
+                        <a:buSzTx/>
+                        <a:buFontTx/>
+                        <a:buNone/>
+                        <a:tabLst/>
+                        <a:defRPr/>
+                      </a:pPr>
+                      <a:r>
+                        <a:rPr lang="en-US" dirty="0" smtClean="0"/>
+                        <a:t>Using login system for authorization to prevent unauthorized access of certain parties.</a:t>
+                      </a:r>
+                    </a:p>
+                    <a:p>
+                      <a:endParaRPr lang="en-US" dirty="0"/>
+                    </a:p>
+                  </a:txBody>
+                  <a:tcPr/>
+                </a:tc>
+                <a:extLst>
+                  <a:ext uri="{0D108BD9-81ED-4DB2-BD59-A6C34878D82A}">
+                    <a16:rowId xmlns:a16="http://schemas.microsoft.com/office/drawing/2014/main" val="330777557"/>
+                  </a:ext>
+                </a:extLst>
+              </a:tr>
+              <a:tr h="370840">
+                <a:tc>
+                  <a:txBody>
+                    <a:bodyPr/>
+                    <a:lstStyle/>
+                    <a:p>
+                      <a:pPr algn="ctr"/>
+                      <a:r>
+                        <a:rPr lang="en-US" b="1" dirty="0" smtClean="0"/>
+                        <a:t>Usability</a:t>
+                      </a:r>
+                      <a:endParaRPr lang="en-US" dirty="0"/>
+                    </a:p>
+                  </a:txBody>
+                  <a:tcPr/>
+                </a:tc>
+                <a:tc>
+                  <a:txBody>
+                    <a:bodyPr/>
+                    <a:lstStyle/>
+                    <a:p>
+                      <a:pPr marL="0" marR="0" lvl="0" indent="0" algn="l" defTabSz="914400" rtl="0" eaLnBrk="1" fontAlgn="auto" latinLnBrk="0" hangingPunct="1">
+                        <a:lnSpc>
+                          <a:spcPct val="100000"/>
+                        </a:lnSpc>
+                        <a:spcBef>
+                          <a:spcPts val="0"/>
+                        </a:spcBef>
+                        <a:spcAft>
+                          <a:spcPts val="0"/>
+                        </a:spcAft>
+                        <a:buClrTx/>
+                        <a:buSzTx/>
+                        <a:buFontTx/>
+                        <a:buNone/>
+                        <a:tabLst/>
+                        <a:defRPr/>
+                      </a:pPr>
+                      <a:r>
+                        <a:rPr lang="en-US" dirty="0" smtClean="0"/>
+                        <a:t>The system should be easy to access for Housing Officer and Applicant.</a:t>
+                      </a:r>
+                    </a:p>
+                    <a:p>
+                      <a:endParaRPr lang="en-US" dirty="0"/>
+                    </a:p>
+                  </a:txBody>
+                  <a:tcPr/>
+                </a:tc>
+                <a:extLst>
+                  <a:ext uri="{0D108BD9-81ED-4DB2-BD59-A6C34878D82A}">
+                    <a16:rowId xmlns:a16="http://schemas.microsoft.com/office/drawing/2014/main" val="2556879264"/>
+                  </a:ext>
+                </a:extLst>
+              </a:tr>
+              <a:tr h="370840">
+                <a:tc>
+                  <a:txBody>
+                    <a:bodyPr/>
+                    <a:lstStyle/>
+                    <a:p>
+                      <a:pPr algn="ctr"/>
+                      <a:r>
+                        <a:rPr lang="en-US" b="1" dirty="0" smtClean="0"/>
+                        <a:t>Integrity</a:t>
+                      </a:r>
+                      <a:endParaRPr lang="en-US" dirty="0"/>
+                    </a:p>
+                  </a:txBody>
+                  <a:tcPr/>
+                </a:tc>
+                <a:tc>
+                  <a:txBody>
+                    <a:bodyPr/>
+                    <a:lstStyle/>
+                    <a:p>
+                      <a:pPr marL="0" marR="0" lvl="0" indent="0" algn="l" defTabSz="914400" rtl="0" eaLnBrk="1" fontAlgn="auto" latinLnBrk="0" hangingPunct="1">
+                        <a:lnSpc>
+                          <a:spcPct val="100000"/>
+                        </a:lnSpc>
+                        <a:spcBef>
+                          <a:spcPts val="0"/>
+                        </a:spcBef>
+                        <a:spcAft>
+                          <a:spcPts val="0"/>
+                        </a:spcAft>
+                        <a:buClrTx/>
+                        <a:buSzTx/>
+                        <a:buFontTx/>
+                        <a:buNone/>
+                        <a:tabLst/>
+                        <a:defRPr/>
+                      </a:pPr>
+                      <a:r>
+                        <a:rPr lang="en-US" dirty="0" smtClean="0"/>
+                        <a:t>Data inside the system will be keep as it is untampered and unharmed.</a:t>
+                      </a:r>
+                    </a:p>
+                    <a:p>
+                      <a:endParaRPr lang="en-US" dirty="0"/>
+                    </a:p>
+                  </a:txBody>
+                  <a:tcPr/>
+                </a:tc>
+                <a:extLst>
+                  <a:ext uri="{0D108BD9-81ED-4DB2-BD59-A6C34878D82A}">
+                    <a16:rowId xmlns:a16="http://schemas.microsoft.com/office/drawing/2014/main" val="3155719047"/>
+                  </a:ext>
+                </a:extLst>
+              </a:tr>
+              <a:tr h="370840">
+                <a:tc>
+                  <a:txBody>
+                    <a:bodyPr/>
+                    <a:lstStyle/>
+                    <a:p>
+                      <a:pPr algn="ctr"/>
+                      <a:r>
+                        <a:rPr lang="en-US" b="1" dirty="0" smtClean="0"/>
+                        <a:t>Modifiability</a:t>
+                      </a:r>
+                      <a:endParaRPr lang="en-US" dirty="0"/>
+                    </a:p>
+                  </a:txBody>
+                  <a:tcPr/>
+                </a:tc>
+                <a:tc>
+                  <a:txBody>
+                    <a:bodyPr/>
+                    <a:lstStyle/>
+                    <a:p>
+                      <a:pPr marL="0" marR="0" lvl="0" indent="0" algn="l" defTabSz="914400" rtl="0" eaLnBrk="1" fontAlgn="auto" latinLnBrk="0" hangingPunct="1">
+                        <a:lnSpc>
+                          <a:spcPct val="100000"/>
+                        </a:lnSpc>
+                        <a:spcBef>
+                          <a:spcPts val="0"/>
+                        </a:spcBef>
+                        <a:spcAft>
+                          <a:spcPts val="0"/>
+                        </a:spcAft>
+                        <a:buClrTx/>
+                        <a:buSzTx/>
+                        <a:buFontTx/>
+                        <a:buNone/>
+                        <a:tabLst/>
+                        <a:defRPr/>
+                      </a:pPr>
+                      <a:r>
+                        <a:rPr lang="en-US" dirty="0" smtClean="0"/>
+                        <a:t>Data can only be change by authorized user (</a:t>
+                      </a:r>
+                      <a:r>
+                        <a:rPr lang="en-US" dirty="0" err="1" smtClean="0"/>
+                        <a:t>HousingOfficer</a:t>
+                      </a:r>
+                      <a:r>
+                        <a:rPr lang="en-US" dirty="0" smtClean="0"/>
+                        <a:t>).</a:t>
+                      </a:r>
+                    </a:p>
+                    <a:p>
+                      <a:endParaRPr lang="en-US" dirty="0"/>
+                    </a:p>
+                  </a:txBody>
+                  <a:tcPr/>
+                </a:tc>
+                <a:extLst>
+                  <a:ext uri="{0D108BD9-81ED-4DB2-BD59-A6C34878D82A}">
+                    <a16:rowId xmlns:a16="http://schemas.microsoft.com/office/drawing/2014/main" val="1086197283"/>
+                  </a:ext>
+                </a:extLst>
+              </a:tr>
+            </a:tbl>
+          </a:graphicData>
+        </a:graphic>
+      </p:graphicFrame>
+    </p:spTree>
+    <p:extLst>
+      <p:ext uri="{BB962C8B-B14F-4D97-AF65-F5344CB8AC3E}">
+        <p14:creationId xmlns:p14="http://schemas.microsoft.com/office/powerpoint/2010/main" val="1406520124"/>
+      </p:ext>
+    </p:extLst>
+  </p:cSld>
+  <p:clrMapOvr>
+    <a:masterClrMapping/>
+  </p:clrMapOvr>
+  <p:timing>
+    <p:tnLst>
+      <p:par>
+        <p:cTn id="1" dur="indefinite" restart="never" nodeType="tmRoot"/>
+      </p:par>
+    </p:tnLst>
+  </p:timing>
+</p:sld>
+</file>
+
+<file path=ppt/slides/slide7.xml><?xml version="1.0" encoding="utf-8"?>
+<p:sld xmlns:a="http://schemas.openxmlformats.org/drawingml/2006/main" xmlns:r="http://schemas.openxmlformats.org/officeDocument/2006/relationships" xmlns:p="http://schemas.openxmlformats.org/presentationml/2006/main">
+  <p:cSld>
+    <p:spTree>
+      <p:nvGrpSpPr>
+        <p:cNvPr id="1" name=""/>
+        <p:cNvGrpSpPr/>
+        <p:nvPr/>
+      </p:nvGrpSpPr>
+      <p:grpSpPr>
+        <a:xfrm>
+          <a:off x="0" y="0"/>
+          <a:ext cx="0" cy="0"/>
+          <a:chOff x="0" y="0"/>
+          <a:chExt cx="0" cy="0"/>
+        </a:xfrm>
+      </p:grpSpPr>
+      <p:sp>
+        <p:nvSpPr>
+          <p:cNvPr id="2" name="Title 1"/>
+          <p:cNvSpPr>
+            <a:spLocks noGrp="1"/>
+          </p:cNvSpPr>
+          <p:nvPr>
+            <p:ph type="title"/>
+          </p:nvPr>
+        </p:nvSpPr>
+        <p:spPr>
+          <a:xfrm>
+            <a:off x="4123944" y="551231"/>
+            <a:ext cx="3538728" cy="674065"/>
           </a:xfrm>
         </p:spPr>
         <p:txBody>
@@ -4695,10 +5393,9 @@
           </a:bodyPr>
           <a:lstStyle/>
           <a:p>
-            <a:pPr algn="ctr"/>
             <a:r>
               <a:rPr lang="en-US" sz="4000" dirty="0" smtClean="0"/>
-              <a:t>Trello</a:t>
+              <a:t>Gantt Chart</a:t>
             </a:r>
             <a:endParaRPr lang="en-US" sz="4000" dirty="0"/>
           </a:p>
@@ -4706,7 +5403,7 @@
       </p:sp>
       <p:pic>
         <p:nvPicPr>
-          <p:cNvPr id="5" name="Picture 4"/>
+          <p:cNvPr id="7" name="Picture 6"/>
           <p:cNvPicPr>
             <a:picLocks noChangeAspect="1"/>
           </p:cNvPicPr>
@@ -4714,13 +5411,13 @@
         </p:nvPicPr>
         <p:blipFill rotWithShape="1">
           <a:blip r:embed="rId2"/>
-          <a:srcRect t="7778" b="4929"/>
+          <a:srcRect b="5555"/>
           <a:stretch/>
         </p:blipFill>
         <p:spPr>
           <a:xfrm>
-            <a:off x="398584" y="1235456"/>
-            <a:ext cx="11394831" cy="5259129"/>
+            <a:off x="381000" y="1225296"/>
+            <a:ext cx="11475720" cy="5236464"/>
           </a:xfrm>
           <a:prstGeom prst="rect">
             <a:avLst/>
@@ -4730,13 +5427,195 @@
     </p:spTree>
     <p:extLst>
       <p:ext uri="{BB962C8B-B14F-4D97-AF65-F5344CB8AC3E}">
-        <p14:creationId xmlns:p14="http://schemas.microsoft.com/office/powerpoint/2010/main" val="234617623"/>
+        <p14:creationId xmlns:p14="http://schemas.microsoft.com/office/powerpoint/2010/main" val="1781440091"/>
       </p:ext>
     </p:extLst>
   </p:cSld>
   <p:clrMapOvr>
     <a:masterClrMapping/>
   </p:clrMapOvr>
+  <p:timing>
+    <p:tnLst>
+      <p:par>
+        <p:cTn id="1" dur="indefinite" restart="never" nodeType="tmRoot"/>
+      </p:par>
+    </p:tnLst>
+  </p:timing>
+</p:sld>
+</file>
+
+<file path=ppt/slides/slide8.xml><?xml version="1.0" encoding="utf-8"?>
+<p:sld xmlns:a="http://schemas.openxmlformats.org/drawingml/2006/main" xmlns:r="http://schemas.openxmlformats.org/officeDocument/2006/relationships" xmlns:p="http://schemas.openxmlformats.org/presentationml/2006/main">
+  <p:cSld>
+    <p:spTree>
+      <p:nvGrpSpPr>
+        <p:cNvPr id="1" name=""/>
+        <p:cNvGrpSpPr/>
+        <p:nvPr/>
+      </p:nvGrpSpPr>
+      <p:grpSpPr>
+        <a:xfrm>
+          <a:off x="0" y="0"/>
+          <a:ext cx="0" cy="0"/>
+          <a:chOff x="0" y="0"/>
+          <a:chExt cx="0" cy="0"/>
+        </a:xfrm>
+      </p:grpSpPr>
+      <p:pic>
+        <p:nvPicPr>
+          <p:cNvPr id="4" name="Content Placeholder 3"/>
+          <p:cNvPicPr>
+            <a:picLocks noGrp="1" noChangeAspect="1"/>
+          </p:cNvPicPr>
+          <p:nvPr>
+            <p:ph idx="1"/>
+          </p:nvPr>
+        </p:nvPicPr>
+        <p:blipFill rotWithShape="1">
+          <a:blip r:embed="rId2"/>
+          <a:srcRect b="5700"/>
+          <a:stretch/>
+        </p:blipFill>
+        <p:spPr>
+          <a:xfrm>
+            <a:off x="365760" y="1225296"/>
+            <a:ext cx="11470640" cy="5216145"/>
+          </a:xfrm>
+          <a:prstGeom prst="rect">
+            <a:avLst/>
+          </a:prstGeom>
+        </p:spPr>
+      </p:pic>
+      <p:sp>
+        <p:nvSpPr>
+          <p:cNvPr id="5" name="Title 1"/>
+          <p:cNvSpPr>
+            <a:spLocks noGrp="1"/>
+          </p:cNvSpPr>
+          <p:nvPr>
+            <p:ph type="title"/>
+          </p:nvPr>
+        </p:nvSpPr>
+        <p:spPr>
+          <a:xfrm>
+            <a:off x="4123944" y="551231"/>
+            <a:ext cx="3538728" cy="674065"/>
+          </a:xfrm>
+        </p:spPr>
+        <p:txBody>
+          <a:bodyPr>
+            <a:normAutofit/>
+          </a:bodyPr>
+          <a:lstStyle/>
+          <a:p>
+            <a:r>
+              <a:rPr lang="en-US" sz="4000" dirty="0" smtClean="0"/>
+              <a:t>Gantt Chart</a:t>
+            </a:r>
+            <a:endParaRPr lang="en-US" sz="4000" dirty="0"/>
+          </a:p>
+        </p:txBody>
+      </p:sp>
+    </p:spTree>
+    <p:extLst>
+      <p:ext uri="{BB962C8B-B14F-4D97-AF65-F5344CB8AC3E}">
+        <p14:creationId xmlns:p14="http://schemas.microsoft.com/office/powerpoint/2010/main" val="2187548316"/>
+      </p:ext>
+    </p:extLst>
+  </p:cSld>
+  <p:clrMapOvr>
+    <a:masterClrMapping/>
+  </p:clrMapOvr>
+</p:sld>
+</file>
+
+<file path=ppt/slides/slide9.xml><?xml version="1.0" encoding="utf-8"?>
+<p:sld xmlns:a="http://schemas.openxmlformats.org/drawingml/2006/main" xmlns:r="http://schemas.openxmlformats.org/officeDocument/2006/relationships" xmlns:p="http://schemas.openxmlformats.org/presentationml/2006/main">
+  <p:cSld>
+    <p:spTree>
+      <p:nvGrpSpPr>
+        <p:cNvPr id="1" name=""/>
+        <p:cNvGrpSpPr/>
+        <p:nvPr/>
+      </p:nvGrpSpPr>
+      <p:grpSpPr>
+        <a:xfrm>
+          <a:off x="0" y="0"/>
+          <a:ext cx="0" cy="0"/>
+          <a:chOff x="0" y="0"/>
+          <a:chExt cx="0" cy="0"/>
+        </a:xfrm>
+      </p:grpSpPr>
+      <p:sp>
+        <p:nvSpPr>
+          <p:cNvPr id="4" name="Title 1"/>
+          <p:cNvSpPr>
+            <a:spLocks noGrp="1"/>
+          </p:cNvSpPr>
+          <p:nvPr>
+            <p:ph type="title"/>
+          </p:nvPr>
+        </p:nvSpPr>
+        <p:spPr>
+          <a:xfrm>
+            <a:off x="3525520" y="561391"/>
+            <a:ext cx="5214112" cy="674065"/>
+          </a:xfrm>
+        </p:spPr>
+        <p:txBody>
+          <a:bodyPr>
+            <a:normAutofit fontScale="90000"/>
+          </a:bodyPr>
+          <a:lstStyle/>
+          <a:p>
+            <a:r>
+              <a:rPr lang="en-US" sz="4000" dirty="0" smtClean="0"/>
+              <a:t>Baseline Gantt Chart</a:t>
+            </a:r>
+            <a:endParaRPr lang="en-US" sz="4000" dirty="0"/>
+          </a:p>
+        </p:txBody>
+      </p:sp>
+      <p:pic>
+        <p:nvPicPr>
+          <p:cNvPr id="6" name="Picture 5"/>
+          <p:cNvPicPr>
+            <a:picLocks noChangeAspect="1"/>
+          </p:cNvPicPr>
+          <p:nvPr/>
+        </p:nvPicPr>
+        <p:blipFill rotWithShape="1">
+          <a:blip r:embed="rId2"/>
+          <a:srcRect l="83" t="4148" r="-83" b="5111"/>
+          <a:stretch/>
+        </p:blipFill>
+        <p:spPr>
+          <a:xfrm>
+            <a:off x="342392" y="1235456"/>
+            <a:ext cx="11529568" cy="5211063"/>
+          </a:xfrm>
+          <a:prstGeom prst="rect">
+            <a:avLst/>
+          </a:prstGeom>
+        </p:spPr>
+      </p:pic>
+    </p:spTree>
+    <p:extLst>
+      <p:ext uri="{BB962C8B-B14F-4D97-AF65-F5344CB8AC3E}">
+        <p14:creationId xmlns:p14="http://schemas.microsoft.com/office/powerpoint/2010/main" val="3644720896"/>
+      </p:ext>
+    </p:extLst>
+  </p:cSld>
+  <p:clrMapOvr>
+    <a:masterClrMapping/>
+  </p:clrMapOvr>
+  <p:timing>
+    <p:tnLst>
+      <p:par>
+        <p:cTn id="1" dur="indefinite" restart="never" nodeType="tmRoot"/>
+      </p:par>
+    </p:tnLst>
+  </p:timing>
 </p:sld>
 </file>
 
